--- a/lectures/E04-new Fans/E04 - new Fans.pptx
+++ b/lectures/E04-new Fans/E04 - new Fans.pptx
@@ -39,22 +39,6 @@
   </p:sldIdLst>
   <p:sldSz cx="9144000" cy="5715000" type="screen16x10"/>
   <p:notesSz cx="7099300" cy="10234613"/>
-  <p:embeddedFontLst>
-    <p:embeddedFont>
-      <p:font typeface="Minya Nouvelle" charset="0"/>
-      <p:regular r:id="rId29"/>
-      <p:bold r:id="rId30"/>
-      <p:italic r:id="rId31"/>
-      <p:boldItalic r:id="rId32"/>
-    </p:embeddedFont>
-    <p:embeddedFont>
-      <p:font typeface="Calibri" pitchFamily="34" charset="0"/>
-      <p:regular r:id="rId33"/>
-      <p:bold r:id="rId34"/>
-      <p:italic r:id="rId35"/>
-      <p:boldItalic r:id="rId36"/>
-    </p:embeddedFont>
-  </p:embeddedFontLst>
   <p:defaultTextStyle>
     <a:defPPr>
       <a:defRPr lang="sv-SE"/>
@@ -236,7 +220,7 @@
             <a:fld id="{D591C14E-198E-48A7-ABEC-7FB80E868E55}" type="datetimeFigureOut">
               <a:rPr lang="sv-SE" smtClean="0"/>
               <a:pPr/>
-              <a:t>2012-11-19</a:t>
+              <a:t>2013-11-18</a:t>
             </a:fld>
             <a:endParaRPr lang="sv-SE"/>
           </a:p>
@@ -403,7 +387,7 @@
             <a:fld id="{188BB863-C913-48B5-BD1A-638D82A0C76B}" type="datetimeFigureOut">
               <a:rPr lang="sv-SE" smtClean="0"/>
               <a:pPr/>
-              <a:t>2012-11-19</a:t>
+              <a:t>2013-11-18</a:t>
             </a:fld>
             <a:endParaRPr lang="sv-SE"/>
           </a:p>
@@ -1426,7 +1410,7 @@
   <p:timing>
     <p:tnLst>
       <p:par>
-        <p:cTn id="1" dur="indefinite" restart="never" nodeType="tmRoot"/>
+        <p:cTn xmlns:p14="http://schemas.microsoft.com/office/powerpoint/2010/main" id="1" dur="indefinite" restart="never" nodeType="tmRoot"/>
       </p:par>
     </p:tnLst>
   </p:timing>
@@ -1651,7 +1635,7 @@
   <p:timing>
     <p:tnLst>
       <p:par>
-        <p:cTn id="1" dur="indefinite" restart="never" nodeType="tmRoot"/>
+        <p:cTn xmlns:p14="http://schemas.microsoft.com/office/powerpoint/2010/main" id="1" dur="indefinite" restart="never" nodeType="tmRoot"/>
       </p:par>
     </p:tnLst>
   </p:timing>
@@ -7695,7 +7679,7 @@
         <p:spPr>
           <a:xfrm>
             <a:off x="395536" y="1201316"/>
-            <a:ext cx="3956532" cy="954107"/>
+            <a:ext cx="3996131" cy="954107"/>
           </a:xfrm>
           <a:prstGeom prst="rect">
             <a:avLst/>
@@ -7718,7 +7702,7 @@
               <a:rPr lang="sv-SE" sz="2800" b="1" dirty="0" smtClean="0">
                 <a:latin typeface="Minya Nouvelle" pitchFamily="2" charset="0"/>
               </a:rPr>
-              <a:t>HT2012</a:t>
+              <a:t>HT2013</a:t>
             </a:r>
             <a:endParaRPr lang="sv-SE" sz="2800" b="1" dirty="0" smtClean="0">
               <a:latin typeface="Minya Nouvelle" pitchFamily="2" charset="0"/>
@@ -7809,7 +7793,7 @@
           </a:prstGeom>
           <a:noFill/>
           <a:extLst>
-            <a:ext uri="{909E8E84-426E-40DD-AFC4-6F175D3DCCD1}">
+            <a:ext uri="{909E8E84-426E-40dd-AFC4-6F175D3DCCD1}">
               <a14:hiddenFill xmlns:a14="http://schemas.microsoft.com/office/drawing/2010/main">
                 <a:solidFill>
                   <a:srgbClr val="FFFFFF"/>
@@ -7864,7 +7848,7 @@
   <p:timing>
     <p:tnLst>
       <p:par>
-        <p:cTn id="1" dur="indefinite" restart="never" nodeType="tmRoot"/>
+        <p:cTn xmlns:p14="http://schemas.microsoft.com/office/powerpoint/2010/main" id="1" dur="indefinite" restart="never" nodeType="tmRoot"/>
       </p:par>
     </p:tnLst>
   </p:timing>
@@ -8428,7 +8412,7 @@
   <p:timing>
     <p:tnLst>
       <p:par>
-        <p:cTn id="1" dur="indefinite" restart="never" nodeType="tmRoot"/>
+        <p:cTn xmlns:p14="http://schemas.microsoft.com/office/powerpoint/2010/main" id="1" dur="indefinite" restart="never" nodeType="tmRoot"/>
       </p:par>
     </p:tnLst>
   </p:timing>
@@ -9140,7 +9124,7 @@
           </a:prstGeom>
           <a:noFill/>
           <a:extLst>
-            <a:ext uri="{909E8E84-426E-40DD-AFC4-6F175D3DCCD1}">
+            <a:ext uri="{909E8E84-426E-40dd-AFC4-6F175D3DCCD1}">
               <a14:hiddenFill xmlns:a14="http://schemas.microsoft.com/office/drawing/2010/main">
                 <a:solidFill>
                   <a:srgbClr val="FFFFFF"/>
@@ -9246,7 +9230,7 @@
   <p:timing>
     <p:tnLst>
       <p:par>
-        <p:cTn id="1" dur="indefinite" restart="never" nodeType="tmRoot"/>
+        <p:cTn xmlns:p14="http://schemas.microsoft.com/office/powerpoint/2010/main" id="1" dur="indefinite" restart="never" nodeType="tmRoot"/>
       </p:par>
     </p:tnLst>
   </p:timing>
@@ -9913,7 +9897,7 @@
           </a:prstGeom>
           <a:noFill/>
           <a:extLst>
-            <a:ext uri="{909E8E84-426E-40DD-AFC4-6F175D3DCCD1}">
+            <a:ext uri="{909E8E84-426E-40dd-AFC4-6F175D3DCCD1}">
               <a14:hiddenFill xmlns:a14="http://schemas.microsoft.com/office/drawing/2010/main">
                 <a:solidFill>
                   <a:srgbClr val="FFFFFF"/>
@@ -9936,7 +9920,7 @@
   <p:timing>
     <p:tnLst>
       <p:par>
-        <p:cTn id="1" dur="indefinite" restart="never" nodeType="tmRoot"/>
+        <p:cTn xmlns:p14="http://schemas.microsoft.com/office/powerpoint/2010/main" id="1" dur="indefinite" restart="never" nodeType="tmRoot"/>
       </p:par>
     </p:tnLst>
   </p:timing>
@@ -9991,7 +9975,7 @@
           </a:prstGeom>
           <a:noFill/>
           <a:extLst>
-            <a:ext uri="{909E8E84-426E-40DD-AFC4-6F175D3DCCD1}">
+            <a:ext uri="{909E8E84-426E-40dd-AFC4-6F175D3DCCD1}">
               <a14:hiddenFill xmlns:a14="http://schemas.microsoft.com/office/drawing/2010/main">
                 <a:solidFill>
                   <a:srgbClr val="FFFFFF"/>
@@ -10037,7 +10021,7 @@
   <p:timing>
     <p:tnLst>
       <p:par>
-        <p:cTn id="1" dur="indefinite" restart="never" nodeType="tmRoot"/>
+        <p:cTn xmlns:p14="http://schemas.microsoft.com/office/powerpoint/2010/main" id="1" dur="indefinite" restart="never" nodeType="tmRoot"/>
       </p:par>
     </p:tnLst>
   </p:timing>
@@ -10504,7 +10488,7 @@
           </a:prstGeom>
           <a:noFill/>
           <a:extLst>
-            <a:ext uri="{909E8E84-426E-40DD-AFC4-6F175D3DCCD1}">
+            <a:ext uri="{909E8E84-426E-40dd-AFC4-6F175D3DCCD1}">
               <a14:hiddenFill xmlns:a14="http://schemas.microsoft.com/office/drawing/2010/main">
                 <a:solidFill>
                   <a:srgbClr val="FFFFFF"/>
@@ -10527,7 +10511,7 @@
   <p:timing>
     <p:tnLst>
       <p:par>
-        <p:cTn id="1" dur="indefinite" restart="never" nodeType="tmRoot"/>
+        <p:cTn xmlns:p14="http://schemas.microsoft.com/office/powerpoint/2010/main" id="1" dur="indefinite" restart="never" nodeType="tmRoot"/>
       </p:par>
     </p:tnLst>
   </p:timing>
@@ -11314,7 +11298,7 @@
           </a:prstGeom>
           <a:noFill/>
           <a:extLst>
-            <a:ext uri="{909E8E84-426E-40DD-AFC4-6F175D3DCCD1}">
+            <a:ext uri="{909E8E84-426E-40dd-AFC4-6F175D3DCCD1}">
               <a14:hiddenFill xmlns:a14="http://schemas.microsoft.com/office/drawing/2010/main">
                 <a:solidFill>
                   <a:srgbClr val="FFFFFF"/>
@@ -11337,7 +11321,7 @@
   <p:timing>
     <p:tnLst>
       <p:par>
-        <p:cTn id="1" dur="indefinite" restart="never" nodeType="tmRoot"/>
+        <p:cTn xmlns:p14="http://schemas.microsoft.com/office/powerpoint/2010/main" id="1" dur="indefinite" restart="never" nodeType="tmRoot"/>
       </p:par>
     </p:tnLst>
   </p:timing>
@@ -11721,7 +11705,7 @@
           </a:prstGeom>
           <a:noFill/>
           <a:extLst>
-            <a:ext uri="{909E8E84-426E-40DD-AFC4-6F175D3DCCD1}">
+            <a:ext uri="{909E8E84-426E-40dd-AFC4-6F175D3DCCD1}">
               <a14:hiddenFill xmlns:a14="http://schemas.microsoft.com/office/drawing/2010/main">
                 <a:solidFill>
                   <a:srgbClr val="FFFFFF"/>
@@ -11744,7 +11728,7 @@
   <p:timing>
     <p:tnLst>
       <p:par>
-        <p:cTn id="1" dur="indefinite" restart="never" nodeType="tmRoot"/>
+        <p:cTn xmlns:p14="http://schemas.microsoft.com/office/powerpoint/2010/main" id="1" dur="indefinite" restart="never" nodeType="tmRoot"/>
       </p:par>
     </p:tnLst>
   </p:timing>
@@ -11799,7 +11783,7 @@
           </a:prstGeom>
           <a:noFill/>
           <a:extLst>
-            <a:ext uri="{909E8E84-426E-40DD-AFC4-6F175D3DCCD1}">
+            <a:ext uri="{909E8E84-426E-40dd-AFC4-6F175D3DCCD1}">
               <a14:hiddenFill xmlns:a14="http://schemas.microsoft.com/office/drawing/2010/main">
                 <a:solidFill>
                   <a:srgbClr val="FFFFFF"/>
@@ -12137,7 +12121,7 @@
   <p:timing>
     <p:tnLst>
       <p:par>
-        <p:cTn id="1" dur="indefinite" restart="never" nodeType="tmRoot"/>
+        <p:cTn xmlns:p14="http://schemas.microsoft.com/office/powerpoint/2010/main" id="1" dur="indefinite" restart="never" nodeType="tmRoot"/>
       </p:par>
     </p:tnLst>
   </p:timing>
@@ -12215,7 +12199,7 @@
           </a:prstGeom>
           <a:noFill/>
           <a:extLst>
-            <a:ext uri="{909E8E84-426E-40DD-AFC4-6F175D3DCCD1}">
+            <a:ext uri="{909E8E84-426E-40dd-AFC4-6F175D3DCCD1}">
               <a14:hiddenFill xmlns:a14="http://schemas.microsoft.com/office/drawing/2010/main">
                 <a:solidFill>
                   <a:srgbClr val="FFFFFF"/>
@@ -12256,7 +12240,7 @@
           </a:prstGeom>
           <a:noFill/>
           <a:extLst>
-            <a:ext uri="{909E8E84-426E-40DD-AFC4-6F175D3DCCD1}">
+            <a:ext uri="{909E8E84-426E-40dd-AFC4-6F175D3DCCD1}">
               <a14:hiddenFill xmlns:a14="http://schemas.microsoft.com/office/drawing/2010/main">
                 <a:solidFill>
                   <a:srgbClr val="FFFFFF"/>
@@ -12297,7 +12281,7 @@
           </a:prstGeom>
           <a:noFill/>
           <a:extLst>
-            <a:ext uri="{909E8E84-426E-40DD-AFC4-6F175D3DCCD1}">
+            <a:ext uri="{909E8E84-426E-40dd-AFC4-6F175D3DCCD1}">
               <a14:hiddenFill xmlns:a14="http://schemas.microsoft.com/office/drawing/2010/main">
                 <a:solidFill>
                   <a:srgbClr val="FFFFFF"/>
@@ -12533,7 +12517,7 @@
   <p:timing>
     <p:tnLst>
       <p:par>
-        <p:cTn id="1" dur="indefinite" restart="never" nodeType="tmRoot"/>
+        <p:cTn xmlns:p14="http://schemas.microsoft.com/office/powerpoint/2010/main" id="1" dur="indefinite" restart="never" nodeType="tmRoot"/>
       </p:par>
     </p:tnLst>
   </p:timing>
@@ -13470,7 +13454,7 @@
           </a:prstGeom>
           <a:noFill/>
           <a:extLst>
-            <a:ext uri="{909E8E84-426E-40DD-AFC4-6F175D3DCCD1}">
+            <a:ext uri="{909E8E84-426E-40dd-AFC4-6F175D3DCCD1}">
               <a14:hiddenFill xmlns:a14="http://schemas.microsoft.com/office/drawing/2010/main">
                 <a:solidFill>
                   <a:srgbClr val="FFFFFF"/>
@@ -13511,7 +13495,7 @@
           </a:prstGeom>
           <a:noFill/>
           <a:extLst>
-            <a:ext uri="{909E8E84-426E-40DD-AFC4-6F175D3DCCD1}">
+            <a:ext uri="{909E8E84-426E-40dd-AFC4-6F175D3DCCD1}">
               <a14:hiddenFill xmlns:a14="http://schemas.microsoft.com/office/drawing/2010/main">
                 <a:solidFill>
                   <a:srgbClr val="FFFFFF"/>
@@ -13552,7 +13536,7 @@
           </a:prstGeom>
           <a:noFill/>
           <a:extLst>
-            <a:ext uri="{909E8E84-426E-40DD-AFC4-6F175D3DCCD1}">
+            <a:ext uri="{909E8E84-426E-40dd-AFC4-6F175D3DCCD1}">
               <a14:hiddenFill xmlns:a14="http://schemas.microsoft.com/office/drawing/2010/main">
                 <a:solidFill>
                   <a:srgbClr val="FFFFFF"/>
@@ -13593,7 +13577,7 @@
           </a:prstGeom>
           <a:noFill/>
           <a:extLst>
-            <a:ext uri="{909E8E84-426E-40DD-AFC4-6F175D3DCCD1}">
+            <a:ext uri="{909E8E84-426E-40dd-AFC4-6F175D3DCCD1}">
               <a14:hiddenFill xmlns:a14="http://schemas.microsoft.com/office/drawing/2010/main">
                 <a:solidFill>
                   <a:srgbClr val="FFFFFF"/>
@@ -13634,7 +13618,7 @@
           </a:prstGeom>
           <a:noFill/>
           <a:extLst>
-            <a:ext uri="{909E8E84-426E-40DD-AFC4-6F175D3DCCD1}">
+            <a:ext uri="{909E8E84-426E-40dd-AFC4-6F175D3DCCD1}">
               <a14:hiddenFill xmlns:a14="http://schemas.microsoft.com/office/drawing/2010/main">
                 <a:solidFill>
                   <a:srgbClr val="FFFFFF"/>
@@ -13657,7 +13641,7 @@
   <p:timing>
     <p:tnLst>
       <p:par>
-        <p:cTn id="1" dur="indefinite" restart="never" nodeType="tmRoot"/>
+        <p:cTn xmlns:p14="http://schemas.microsoft.com/office/powerpoint/2010/main" id="1" dur="indefinite" restart="never" nodeType="tmRoot"/>
       </p:par>
     </p:tnLst>
   </p:timing>
@@ -14014,7 +13998,7 @@
           </a:prstGeom>
           <a:noFill/>
           <a:extLst>
-            <a:ext uri="{909E8E84-426E-40DD-AFC4-6F175D3DCCD1}">
+            <a:ext uri="{909E8E84-426E-40dd-AFC4-6F175D3DCCD1}">
               <a14:hiddenFill xmlns:a14="http://schemas.microsoft.com/office/drawing/2010/main">
                 <a:solidFill>
                   <a:srgbClr val="FFFFFF"/>
@@ -14032,7 +14016,7 @@
   <p:timing>
     <p:tnLst>
       <p:par>
-        <p:cTn id="1" dur="indefinite" restart="never" nodeType="tmRoot"/>
+        <p:cTn xmlns:p14="http://schemas.microsoft.com/office/powerpoint/2010/main" id="1" dur="indefinite" restart="never" nodeType="tmRoot"/>
       </p:par>
     </p:tnLst>
   </p:timing>
@@ -15095,7 +15079,7 @@
           </a:prstGeom>
           <a:noFill/>
           <a:extLst>
-            <a:ext uri="{909E8E84-426E-40DD-AFC4-6F175D3DCCD1}">
+            <a:ext uri="{909E8E84-426E-40dd-AFC4-6F175D3DCCD1}">
               <a14:hiddenFill xmlns:a14="http://schemas.microsoft.com/office/drawing/2010/main">
                 <a:solidFill>
                   <a:srgbClr val="FFFFFF"/>
@@ -15136,7 +15120,7 @@
           </a:prstGeom>
           <a:noFill/>
           <a:extLst>
-            <a:ext uri="{909E8E84-426E-40DD-AFC4-6F175D3DCCD1}">
+            <a:ext uri="{909E8E84-426E-40dd-AFC4-6F175D3DCCD1}">
               <a14:hiddenFill xmlns:a14="http://schemas.microsoft.com/office/drawing/2010/main">
                 <a:solidFill>
                   <a:srgbClr val="FFFFFF"/>
@@ -15177,7 +15161,7 @@
           </a:prstGeom>
           <a:noFill/>
           <a:extLst>
-            <a:ext uri="{909E8E84-426E-40DD-AFC4-6F175D3DCCD1}">
+            <a:ext uri="{909E8E84-426E-40dd-AFC4-6F175D3DCCD1}">
               <a14:hiddenFill xmlns:a14="http://schemas.microsoft.com/office/drawing/2010/main">
                 <a:solidFill>
                   <a:srgbClr val="FFFFFF"/>
@@ -15218,7 +15202,7 @@
           </a:prstGeom>
           <a:noFill/>
           <a:extLst>
-            <a:ext uri="{909E8E84-426E-40DD-AFC4-6F175D3DCCD1}">
+            <a:ext uri="{909E8E84-426E-40dd-AFC4-6F175D3DCCD1}">
               <a14:hiddenFill xmlns:a14="http://schemas.microsoft.com/office/drawing/2010/main">
                 <a:solidFill>
                   <a:srgbClr val="FFFFFF"/>
@@ -15241,7 +15225,7 @@
   <p:timing>
     <p:tnLst>
       <p:par>
-        <p:cTn id="1" dur="indefinite" restart="never" nodeType="tmRoot"/>
+        <p:cTn xmlns:p14="http://schemas.microsoft.com/office/powerpoint/2010/main" id="1" dur="indefinite" restart="never" nodeType="tmRoot"/>
       </p:par>
     </p:tnLst>
   </p:timing>
@@ -15948,7 +15932,7 @@
           </a:prstGeom>
           <a:noFill/>
           <a:extLst>
-            <a:ext uri="{909E8E84-426E-40DD-AFC4-6F175D3DCCD1}">
+            <a:ext uri="{909E8E84-426E-40dd-AFC4-6F175D3DCCD1}">
               <a14:hiddenFill xmlns:a14="http://schemas.microsoft.com/office/drawing/2010/main">
                 <a:solidFill>
                   <a:srgbClr val="FFFFFF"/>
@@ -15989,7 +15973,7 @@
           </a:prstGeom>
           <a:noFill/>
           <a:extLst>
-            <a:ext uri="{909E8E84-426E-40DD-AFC4-6F175D3DCCD1}">
+            <a:ext uri="{909E8E84-426E-40dd-AFC4-6F175D3DCCD1}">
               <a14:hiddenFill xmlns:a14="http://schemas.microsoft.com/office/drawing/2010/main">
                 <a:solidFill>
                   <a:srgbClr val="FFFFFF"/>
@@ -16030,7 +16014,7 @@
           </a:prstGeom>
           <a:noFill/>
           <a:extLst>
-            <a:ext uri="{909E8E84-426E-40DD-AFC4-6F175D3DCCD1}">
+            <a:ext uri="{909E8E84-426E-40dd-AFC4-6F175D3DCCD1}">
               <a14:hiddenFill xmlns:a14="http://schemas.microsoft.com/office/drawing/2010/main">
                 <a:solidFill>
                   <a:srgbClr val="FFFFFF"/>
@@ -16071,7 +16055,7 @@
           </a:prstGeom>
           <a:noFill/>
           <a:extLst>
-            <a:ext uri="{909E8E84-426E-40DD-AFC4-6F175D3DCCD1}">
+            <a:ext uri="{909E8E84-426E-40dd-AFC4-6F175D3DCCD1}">
               <a14:hiddenFill xmlns:a14="http://schemas.microsoft.com/office/drawing/2010/main">
                 <a:solidFill>
                   <a:srgbClr val="FFFFFF"/>
@@ -16128,7 +16112,7 @@
   <p:timing>
     <p:tnLst>
       <p:par>
-        <p:cTn id="1" dur="indefinite" restart="never" nodeType="tmRoot"/>
+        <p:cTn xmlns:p14="http://schemas.microsoft.com/office/powerpoint/2010/main" id="1" dur="indefinite" restart="never" nodeType="tmRoot"/>
       </p:par>
     </p:tnLst>
   </p:timing>
@@ -16832,7 +16816,7 @@
           </a:prstGeom>
           <a:noFill/>
           <a:extLst>
-            <a:ext uri="{909E8E84-426E-40DD-AFC4-6F175D3DCCD1}">
+            <a:ext uri="{909E8E84-426E-40dd-AFC4-6F175D3DCCD1}">
               <a14:hiddenFill xmlns:a14="http://schemas.microsoft.com/office/drawing/2010/main">
                 <a:solidFill>
                   <a:srgbClr val="FFFFFF"/>
@@ -16873,7 +16857,7 @@
           </a:prstGeom>
           <a:noFill/>
           <a:extLst>
-            <a:ext uri="{909E8E84-426E-40DD-AFC4-6F175D3DCCD1}">
+            <a:ext uri="{909E8E84-426E-40dd-AFC4-6F175D3DCCD1}">
               <a14:hiddenFill xmlns:a14="http://schemas.microsoft.com/office/drawing/2010/main">
                 <a:solidFill>
                   <a:srgbClr val="FFFFFF"/>
@@ -16914,7 +16898,7 @@
           </a:prstGeom>
           <a:noFill/>
           <a:extLst>
-            <a:ext uri="{909E8E84-426E-40DD-AFC4-6F175D3DCCD1}">
+            <a:ext uri="{909E8E84-426E-40dd-AFC4-6F175D3DCCD1}">
               <a14:hiddenFill xmlns:a14="http://schemas.microsoft.com/office/drawing/2010/main">
                 <a:solidFill>
                   <a:srgbClr val="FFFFFF"/>
@@ -16955,7 +16939,7 @@
           </a:prstGeom>
           <a:noFill/>
           <a:extLst>
-            <a:ext uri="{909E8E84-426E-40DD-AFC4-6F175D3DCCD1}">
+            <a:ext uri="{909E8E84-426E-40dd-AFC4-6F175D3DCCD1}">
               <a14:hiddenFill xmlns:a14="http://schemas.microsoft.com/office/drawing/2010/main">
                 <a:solidFill>
                   <a:srgbClr val="FFFFFF"/>
@@ -17048,7 +17032,7 @@
           </a:prstGeom>
           <a:noFill/>
           <a:extLst>
-            <a:ext uri="{909E8E84-426E-40DD-AFC4-6F175D3DCCD1}">
+            <a:ext uri="{909E8E84-426E-40dd-AFC4-6F175D3DCCD1}">
               <a14:hiddenFill xmlns:a14="http://schemas.microsoft.com/office/drawing/2010/main">
                 <a:solidFill>
                   <a:srgbClr val="FFFFFF"/>
@@ -17071,7 +17055,7 @@
   <p:timing>
     <p:tnLst>
       <p:par>
-        <p:cTn id="1" dur="indefinite" restart="never" nodeType="tmRoot"/>
+        <p:cTn xmlns:p14="http://schemas.microsoft.com/office/powerpoint/2010/main" id="1" dur="indefinite" restart="never" nodeType="tmRoot"/>
       </p:par>
     </p:tnLst>
   </p:timing>
@@ -17800,7 +17784,7 @@
           </a:prstGeom>
           <a:noFill/>
           <a:extLst>
-            <a:ext uri="{909E8E84-426E-40DD-AFC4-6F175D3DCCD1}">
+            <a:ext uri="{909E8E84-426E-40dd-AFC4-6F175D3DCCD1}">
               <a14:hiddenFill xmlns:a14="http://schemas.microsoft.com/office/drawing/2010/main">
                 <a:solidFill>
                   <a:srgbClr val="FFFFFF"/>
@@ -17841,7 +17825,7 @@
           </a:prstGeom>
           <a:noFill/>
           <a:extLst>
-            <a:ext uri="{909E8E84-426E-40DD-AFC4-6F175D3DCCD1}">
+            <a:ext uri="{909E8E84-426E-40dd-AFC4-6F175D3DCCD1}">
               <a14:hiddenFill xmlns:a14="http://schemas.microsoft.com/office/drawing/2010/main">
                 <a:solidFill>
                   <a:srgbClr val="FFFFFF"/>
@@ -17864,7 +17848,7 @@
   <p:timing>
     <p:tnLst>
       <p:par>
-        <p:cTn id="1" dur="indefinite" restart="never" nodeType="tmRoot"/>
+        <p:cTn xmlns:p14="http://schemas.microsoft.com/office/powerpoint/2010/main" id="1" dur="indefinite" restart="never" nodeType="tmRoot"/>
       </p:par>
     </p:tnLst>
   </p:timing>
@@ -18584,7 +18568,7 @@
   <p:timing>
     <p:tnLst>
       <p:par>
-        <p:cTn id="1" dur="indefinite" restart="never" nodeType="tmRoot"/>
+        <p:cTn xmlns:p14="http://schemas.microsoft.com/office/powerpoint/2010/main" id="1" dur="indefinite" restart="never" nodeType="tmRoot"/>
       </p:par>
     </p:tnLst>
   </p:timing>
@@ -18682,7 +18666,7 @@
           </a:prstGeom>
           <a:noFill/>
           <a:extLst>
-            <a:ext uri="{909E8E84-426E-40DD-AFC4-6F175D3DCCD1}">
+            <a:ext uri="{909E8E84-426E-40dd-AFC4-6F175D3DCCD1}">
               <a14:hiddenFill xmlns:a14="http://schemas.microsoft.com/office/drawing/2010/main">
                 <a:solidFill>
                   <a:srgbClr val="FFFFFF"/>
@@ -18742,7 +18726,7 @@
   <p:timing>
     <p:tnLst>
       <p:par>
-        <p:cTn id="1" dur="indefinite" restart="never" nodeType="tmRoot"/>
+        <p:cTn xmlns:p14="http://schemas.microsoft.com/office/powerpoint/2010/main" id="1" dur="indefinite" restart="never" nodeType="tmRoot"/>
       </p:par>
     </p:tnLst>
   </p:timing>
@@ -18820,7 +18804,7 @@
           </a:prstGeom>
           <a:noFill/>
           <a:extLst>
-            <a:ext uri="{909E8E84-426E-40DD-AFC4-6F175D3DCCD1}">
+            <a:ext uri="{909E8E84-426E-40dd-AFC4-6F175D3DCCD1}">
               <a14:hiddenFill xmlns:a14="http://schemas.microsoft.com/office/drawing/2010/main">
                 <a:solidFill>
                   <a:srgbClr val="FFFFFF"/>
@@ -19182,7 +19166,7 @@
           </a:prstGeom>
           <a:noFill/>
           <a:extLst>
-            <a:ext uri="{909E8E84-426E-40DD-AFC4-6F175D3DCCD1}">
+            <a:ext uri="{909E8E84-426E-40dd-AFC4-6F175D3DCCD1}">
               <a14:hiddenFill xmlns:a14="http://schemas.microsoft.com/office/drawing/2010/main">
                 <a:solidFill>
                   <a:srgbClr val="FFFFFF"/>
@@ -19205,7 +19189,7 @@
   <p:timing>
     <p:tnLst>
       <p:par>
-        <p:cTn id="1" dur="indefinite" restart="never" nodeType="tmRoot"/>
+        <p:cTn xmlns:p14="http://schemas.microsoft.com/office/powerpoint/2010/main" id="1" dur="indefinite" restart="never" nodeType="tmRoot"/>
       </p:par>
     </p:tnLst>
   </p:timing>
@@ -19506,7 +19490,7 @@
           </a:prstGeom>
           <a:noFill/>
           <a:extLst>
-            <a:ext uri="{909E8E84-426E-40DD-AFC4-6F175D3DCCD1}">
+            <a:ext uri="{909E8E84-426E-40dd-AFC4-6F175D3DCCD1}">
               <a14:hiddenFill xmlns:a14="http://schemas.microsoft.com/office/drawing/2010/main">
                 <a:solidFill>
                   <a:srgbClr val="FFFFFF"/>
@@ -19529,7 +19513,7 @@
   <p:timing>
     <p:tnLst>
       <p:par>
-        <p:cTn id="1" dur="indefinite" restart="never" nodeType="tmRoot"/>
+        <p:cTn xmlns:p14="http://schemas.microsoft.com/office/powerpoint/2010/main" id="1" dur="indefinite" restart="never" nodeType="tmRoot"/>
       </p:par>
     </p:tnLst>
   </p:timing>
@@ -19952,7 +19936,7 @@
           </a:prstGeom>
           <a:noFill/>
           <a:extLst>
-            <a:ext uri="{909E8E84-426E-40DD-AFC4-6F175D3DCCD1}">
+            <a:ext uri="{909E8E84-426E-40dd-AFC4-6F175D3DCCD1}">
               <a14:hiddenFill xmlns:a14="http://schemas.microsoft.com/office/drawing/2010/main">
                 <a:solidFill>
                   <a:srgbClr val="FFFFFF"/>
@@ -19975,7 +19959,7 @@
   <p:timing>
     <p:tnLst>
       <p:par>
-        <p:cTn id="1" dur="indefinite" restart="never" nodeType="tmRoot"/>
+        <p:cTn xmlns:p14="http://schemas.microsoft.com/office/powerpoint/2010/main" id="1" dur="indefinite" restart="never" nodeType="tmRoot"/>
       </p:par>
     </p:tnLst>
   </p:timing>
@@ -20645,7 +20629,7 @@
           </a:prstGeom>
           <a:noFill/>
           <a:extLst>
-            <a:ext uri="{909E8E84-426E-40DD-AFC4-6F175D3DCCD1}">
+            <a:ext uri="{909E8E84-426E-40dd-AFC4-6F175D3DCCD1}">
               <a14:hiddenFill xmlns:a14="http://schemas.microsoft.com/office/drawing/2010/main">
                 <a:solidFill>
                   <a:srgbClr val="FFFFFF"/>
@@ -20686,7 +20670,7 @@
           </a:prstGeom>
           <a:noFill/>
           <a:extLst>
-            <a:ext uri="{909E8E84-426E-40DD-AFC4-6F175D3DCCD1}">
+            <a:ext uri="{909E8E84-426E-40dd-AFC4-6F175D3DCCD1}">
               <a14:hiddenFill xmlns:a14="http://schemas.microsoft.com/office/drawing/2010/main">
                 <a:solidFill>
                   <a:srgbClr val="FFFFFF"/>
@@ -20709,7 +20693,7 @@
   <p:timing>
     <p:tnLst>
       <p:par>
-        <p:cTn id="1" dur="indefinite" restart="never" nodeType="tmRoot"/>
+        <p:cTn xmlns:p14="http://schemas.microsoft.com/office/powerpoint/2010/main" id="1" dur="indefinite" restart="never" nodeType="tmRoot"/>
       </p:par>
     </p:tnLst>
   </p:timing>
@@ -20855,7 +20839,7 @@
           </a:prstGeom>
           <a:noFill/>
           <a:extLst>
-            <a:ext uri="{909E8E84-426E-40DD-AFC4-6F175D3DCCD1}">
+            <a:ext uri="{909E8E84-426E-40dd-AFC4-6F175D3DCCD1}">
               <a14:hiddenFill xmlns:a14="http://schemas.microsoft.com/office/drawing/2010/main">
                 <a:solidFill>
                   <a:srgbClr val="FFFFFF"/>
@@ -20878,7 +20862,7 @@
   <p:timing>
     <p:tnLst>
       <p:par>
-        <p:cTn id="1" dur="indefinite" restart="never" nodeType="tmRoot">
+        <p:cTn xmlns:p14="http://schemas.microsoft.com/office/powerpoint/2010/main" id="1" dur="indefinite" restart="never" nodeType="tmRoot">
           <p:childTnLst>
             <p:seq concurrent="1" nextAc="seek">
               <p:cTn id="2" dur="indefinite" nodeType="mainSeq">
@@ -21421,7 +21405,17 @@
                 <a:latin typeface="Courier New" pitchFamily="49" charset="0"/>
                 <a:cs typeface="Courier New" pitchFamily="49" charset="0"/>
               </a:rPr>
-              <a:t>	//</a:t>
+              <a:t>/</a:t>
+            </a:r>
+            <a:r>
+              <a:rPr lang="sv-SE" sz="1600" b="1" dirty="0" smtClean="0">
+                <a:solidFill>
+                  <a:schemeClr val="tx1"/>
+                </a:solidFill>
+                <a:latin typeface="Courier New" pitchFamily="49" charset="0"/>
+                <a:cs typeface="Courier New" pitchFamily="49" charset="0"/>
+              </a:rPr>
+              <a:t>/</a:t>
             </a:r>
             <a:r>
               <a:rPr lang="sv-SE" sz="1600" b="1" dirty="0" err="1" smtClean="0">
@@ -21537,7 +21531,17 @@
                 <a:latin typeface="Courier New" pitchFamily="49" charset="0"/>
                 <a:cs typeface="Courier New" pitchFamily="49" charset="0"/>
               </a:rPr>
-              <a:t>	//Bret</a:t>
+              <a:t>/</a:t>
+            </a:r>
+            <a:r>
+              <a:rPr lang="sv-SE" sz="1600" b="1" dirty="0" smtClean="0">
+                <a:solidFill>
+                  <a:schemeClr val="tx1"/>
+                </a:solidFill>
+                <a:latin typeface="Courier New" pitchFamily="49" charset="0"/>
+                <a:cs typeface="Courier New" pitchFamily="49" charset="0"/>
+              </a:rPr>
+              <a:t>/Bret</a:t>
             </a:r>
             <a:endParaRPr lang="sv-SE" sz="1600" b="1" dirty="0">
               <a:solidFill>
@@ -21919,7 +21923,7 @@
           </a:prstGeom>
           <a:noFill/>
           <a:extLst>
-            <a:ext uri="{909E8E84-426E-40DD-AFC4-6F175D3DCCD1}">
+            <a:ext uri="{909E8E84-426E-40dd-AFC4-6F175D3DCCD1}">
               <a14:hiddenFill xmlns:a14="http://schemas.microsoft.com/office/drawing/2010/main">
                 <a:solidFill>
                   <a:srgbClr val="FFFFFF"/>
@@ -21942,7 +21946,7 @@
   <p:timing>
     <p:tnLst>
       <p:par>
-        <p:cTn id="1" dur="indefinite" restart="never" nodeType="tmRoot">
+        <p:cTn xmlns:p14="http://schemas.microsoft.com/office/powerpoint/2010/main" id="1" dur="indefinite" restart="never" nodeType="tmRoot">
           <p:childTnLst>
             <p:seq concurrent="1" nextAc="seek">
               <p:cTn id="2" dur="indefinite" nodeType="mainSeq">
@@ -22817,7 +22821,7 @@
           </a:prstGeom>
           <a:noFill/>
           <a:extLst>
-            <a:ext uri="{909E8E84-426E-40DD-AFC4-6F175D3DCCD1}">
+            <a:ext uri="{909E8E84-426E-40dd-AFC4-6F175D3DCCD1}">
               <a14:hiddenFill xmlns:a14="http://schemas.microsoft.com/office/drawing/2010/main">
                 <a:solidFill>
                   <a:srgbClr val="FFFFFF"/>
@@ -23202,7 +23206,7 @@
           </a:prstGeom>
           <a:noFill/>
           <a:extLst>
-            <a:ext uri="{909E8E84-426E-40DD-AFC4-6F175D3DCCD1}">
+            <a:ext uri="{909E8E84-426E-40dd-AFC4-6F175D3DCCD1}">
               <a14:hiddenFill xmlns:a14="http://schemas.microsoft.com/office/drawing/2010/main">
                 <a:solidFill>
                   <a:srgbClr val="FFFFFF"/>
@@ -23243,7 +23247,7 @@
           </a:prstGeom>
           <a:noFill/>
           <a:extLst>
-            <a:ext uri="{909E8E84-426E-40DD-AFC4-6F175D3DCCD1}">
+            <a:ext uri="{909E8E84-426E-40dd-AFC4-6F175D3DCCD1}">
               <a14:hiddenFill xmlns:a14="http://schemas.microsoft.com/office/drawing/2010/main">
                 <a:solidFill>
                   <a:srgbClr val="FFFFFF"/>
@@ -23266,7 +23270,7 @@
   <p:timing>
     <p:tnLst>
       <p:par>
-        <p:cTn id="1" dur="indefinite" restart="never" nodeType="tmRoot">
+        <p:cTn xmlns:p14="http://schemas.microsoft.com/office/powerpoint/2010/main" id="1" dur="indefinite" restart="never" nodeType="tmRoot">
           <p:childTnLst>
             <p:seq concurrent="1" nextAc="seek">
               <p:cTn id="2" dur="indefinite" nodeType="mainSeq">

--- a/lectures/E04-new Fans/E04 - new Fans.pptx
+++ b/lectures/E04-new Fans/E04 - new Fans.pptx
@@ -220,7 +220,7 @@
             <a:fld id="{D591C14E-198E-48A7-ABEC-7FB80E868E55}" type="datetimeFigureOut">
               <a:rPr lang="sv-SE" smtClean="0"/>
               <a:pPr/>
-              <a:t>2013-11-18</a:t>
+              <a:t>14-11-10</a:t>
             </a:fld>
             <a:endParaRPr lang="sv-SE"/>
           </a:p>
@@ -387,7 +387,7 @@
             <a:fld id="{188BB863-C913-48B5-BD1A-638D82A0C76B}" type="datetimeFigureOut">
               <a:rPr lang="sv-SE" smtClean="0"/>
               <a:pPr/>
-              <a:t>2013-11-18</a:t>
+              <a:t>14-11-10</a:t>
             </a:fld>
             <a:endParaRPr lang="sv-SE"/>
           </a:p>
@@ -7702,7 +7702,7 @@
               <a:rPr lang="sv-SE" sz="2800" b="1" dirty="0" smtClean="0">
                 <a:latin typeface="Minya Nouvelle" pitchFamily="2" charset="0"/>
               </a:rPr>
-              <a:t>HT2013</a:t>
+              <a:t>HT2014</a:t>
             </a:r>
             <a:endParaRPr lang="sv-SE" sz="2800" b="1" dirty="0" smtClean="0">
               <a:latin typeface="Minya Nouvelle" pitchFamily="2" charset="0"/>
@@ -7762,47 +7762,6 @@
           </a:p>
         </p:txBody>
       </p:sp>
-      <p:pic>
-        <p:nvPicPr>
-          <p:cNvPr id="115714" name="Picture 2" descr="C:\Dropbox\Avatar\Avatar228x228.jpg"/>
-          <p:cNvPicPr>
-            <a:picLocks noChangeAspect="1" noChangeArrowheads="1"/>
-          </p:cNvPicPr>
-          <p:nvPr/>
-        </p:nvPicPr>
-        <p:blipFill>
-          <a:blip r:embed="rId2">
-            <a:extLst>
-              <a:ext uri="{28A0092B-C50C-407E-A947-70E740481C1C}">
-                <a14:useLocalDpi xmlns:a14="http://schemas.microsoft.com/office/drawing/2010/main" val="0"/>
-              </a:ext>
-            </a:extLst>
-          </a:blip>
-          <a:srcRect/>
-          <a:stretch>
-            <a:fillRect/>
-          </a:stretch>
-        </p:blipFill>
-        <p:spPr bwMode="auto">
-          <a:xfrm>
-            <a:off x="5508104" y="2137420"/>
-            <a:ext cx="2736304" cy="2736304"/>
-          </a:xfrm>
-          <a:prstGeom prst="rect">
-            <a:avLst/>
-          </a:prstGeom>
-          <a:noFill/>
-          <a:extLst>
-            <a:ext uri="{909E8E84-426E-40dd-AFC4-6F175D3DCCD1}">
-              <a14:hiddenFill xmlns:a14="http://schemas.microsoft.com/office/drawing/2010/main">
-                <a:solidFill>
-                  <a:srgbClr val="FFFFFF"/>
-                </a:solidFill>
-              </a14:hiddenFill>
-            </a:ext>
-          </a:extLst>
-        </p:spPr>
-      </p:pic>
       <p:sp>
         <p:nvSpPr>
           <p:cNvPr id="4" name="TextBox 3"/>
@@ -7835,6 +7794,36 @@
           </a:p>
         </p:txBody>
       </p:sp>
+      <p:pic>
+        <p:nvPicPr>
+          <p:cNvPr id="5" name="Picture 4" descr="square.jpg"/>
+          <p:cNvPicPr>
+            <a:picLocks noChangeAspect="1"/>
+          </p:cNvPicPr>
+          <p:nvPr/>
+        </p:nvPicPr>
+        <p:blipFill>
+          <a:blip r:embed="rId2" cstate="print">
+            <a:extLst>
+              <a:ext uri="{28A0092B-C50C-407E-A947-70E740481C1C}">
+                <a14:useLocalDpi xmlns:a14="http://schemas.microsoft.com/office/drawing/2010/main" val="0"/>
+              </a:ext>
+            </a:extLst>
+          </a:blip>
+          <a:stretch>
+            <a:fillRect/>
+          </a:stretch>
+        </p:blipFill>
+        <p:spPr>
+          <a:xfrm>
+            <a:off x="5580112" y="2137420"/>
+            <a:ext cx="2641476" cy="2641476"/>
+          </a:xfrm>
+          <a:prstGeom prst="rect">
+            <a:avLst/>
+          </a:prstGeom>
+        </p:spPr>
+      </p:pic>
     </p:spTree>
     <p:extLst>
       <p:ext uri="{BB962C8B-B14F-4D97-AF65-F5344CB8AC3E}">
@@ -21405,17 +21394,7 @@
                 <a:latin typeface="Courier New" pitchFamily="49" charset="0"/>
                 <a:cs typeface="Courier New" pitchFamily="49" charset="0"/>
               </a:rPr>
-              <a:t>/</a:t>
-            </a:r>
-            <a:r>
-              <a:rPr lang="sv-SE" sz="1600" b="1" dirty="0" smtClean="0">
-                <a:solidFill>
-                  <a:schemeClr val="tx1"/>
-                </a:solidFill>
-                <a:latin typeface="Courier New" pitchFamily="49" charset="0"/>
-                <a:cs typeface="Courier New" pitchFamily="49" charset="0"/>
-              </a:rPr>
-              <a:t>/</a:t>
+              <a:t>//</a:t>
             </a:r>
             <a:r>
               <a:rPr lang="sv-SE" sz="1600" b="1" dirty="0" err="1" smtClean="0">
@@ -21531,17 +21510,7 @@
                 <a:latin typeface="Courier New" pitchFamily="49" charset="0"/>
                 <a:cs typeface="Courier New" pitchFamily="49" charset="0"/>
               </a:rPr>
-              <a:t>/</a:t>
-            </a:r>
-            <a:r>
-              <a:rPr lang="sv-SE" sz="1600" b="1" dirty="0" smtClean="0">
-                <a:solidFill>
-                  <a:schemeClr val="tx1"/>
-                </a:solidFill>
-                <a:latin typeface="Courier New" pitchFamily="49" charset="0"/>
-                <a:cs typeface="Courier New" pitchFamily="49" charset="0"/>
-              </a:rPr>
-              <a:t>/Bret</a:t>
+              <a:t>//Bret</a:t>
             </a:r>
             <a:endParaRPr lang="sv-SE" sz="1600" b="1" dirty="0">
               <a:solidFill>
